--- a/3_cleaning/T_Square_Cleaning_Showcase_Slides.pptx
+++ b/3_cleaning/T_Square_Cleaning_Showcase_Slides.pptx
@@ -356,7 +356,7 @@
             <a:fld id="{AA592FF2-A4BD-4E98-AC76-A10007E04C10}" type="datetimeFigureOut">
               <a:rPr lang="en-US" smtClean="0"/>
               <a:pPr/>
-              <a:t>6/26/23</a:t>
+              <a:t>7/6/2023</a:t>
             </a:fld>
             <a:endParaRPr lang="en-US" dirty="0"/>
           </a:p>
@@ -427,7 +427,7 @@
             <a:fld id="{4CBF50E3-ED67-46F2-ABFC-A36EE1082CF7}" type="slidenum">
               <a:rPr lang="en-US" b="1" smtClean="0"/>
               <a:pPr/>
-              <a:t>‹#›</a:t>
+              <a:t>‹Nr.›</a:t>
             </a:fld>
             <a:endParaRPr lang="en-US" b="1" dirty="0"/>
           </a:p>
@@ -1213,7 +1213,7 @@
             <a:fld id="{AA592FF2-A4BD-4E98-AC76-A10007E04C10}" type="datetimeFigureOut">
               <a:rPr lang="en-US" smtClean="0"/>
               <a:pPr/>
-              <a:t>6/26/23</a:t>
+              <a:t>7/6/2023</a:t>
             </a:fld>
             <a:endParaRPr lang="en-US" dirty="0"/>
           </a:p>
@@ -1374,7 +1374,7 @@
             <a:fld id="{4CBF50E3-ED67-46F2-ABFC-A36EE1082CF7}" type="slidenum">
               <a:rPr lang="en-US" b="1" smtClean="0"/>
               <a:pPr/>
-              <a:t>‹#›</a:t>
+              <a:t>‹Nr.›</a:t>
             </a:fld>
             <a:endParaRPr lang="en-US" b="1" dirty="0"/>
           </a:p>
@@ -3188,7 +3188,7 @@
             <a:fld id="{91D913BA-B0D8-4B51-9328-DFAA0B370309}" type="slidenum">
               <a:rPr lang="en-US" b="1" smtClean="0"/>
               <a:pPr/>
-              <a:t>‹#›</a:t>
+              <a:t>‹Nr.›</a:t>
             </a:fld>
             <a:endParaRPr lang="en-US" b="1" dirty="0"/>
           </a:p>
@@ -6063,7 +6063,7 @@
                 </a:solidFill>
               </a:rPr>
               <a:pPr/>
-              <a:t>‹#›</a:t>
+              <a:t>‹Nr.›</a:t>
             </a:fld>
             <a:endParaRPr lang="de-DE">
               <a:solidFill>
@@ -6300,7 +6300,7 @@
                 </a:solidFill>
               </a:rPr>
               <a:pPr/>
-              <a:t>‹#›</a:t>
+              <a:t>‹Nr.›</a:t>
             </a:fld>
             <a:endParaRPr lang="de-DE">
               <a:solidFill>
@@ -6520,7 +6520,7 @@
                 </a:solidFill>
               </a:rPr>
               <a:pPr/>
-              <a:t>‹#›</a:t>
+              <a:t>‹Nr.›</a:t>
             </a:fld>
             <a:endParaRPr lang="de-DE">
               <a:solidFill>
@@ -6835,7 +6835,7 @@
                 </a:solidFill>
               </a:rPr>
               <a:pPr/>
-              <a:t>‹#›</a:t>
+              <a:t>‹Nr.›</a:t>
             </a:fld>
             <a:endParaRPr lang="de-DE">
               <a:solidFill>
@@ -7577,7 +7577,7 @@
                 </a:solidFill>
               </a:rPr>
               <a:pPr/>
-              <a:t>‹#›</a:t>
+              <a:t>‹Nr.›</a:t>
             </a:fld>
             <a:endParaRPr lang="de-DE">
               <a:solidFill>
@@ -8771,7 +8771,7 @@
                 </a:solidFill>
               </a:rPr>
               <a:pPr/>
-              <a:t>‹#›</a:t>
+              <a:t>‹Nr.›</a:t>
             </a:fld>
             <a:endParaRPr lang="de-DE">
               <a:solidFill>
@@ -9097,7 +9097,7 @@
                 </a:solidFill>
               </a:rPr>
               <a:pPr/>
-              <a:t>‹#›</a:t>
+              <a:t>‹Nr.›</a:t>
             </a:fld>
             <a:endParaRPr lang="de-DE">
               <a:solidFill>
@@ -9423,7 +9423,7 @@
                 </a:solidFill>
               </a:rPr>
               <a:pPr/>
-              <a:t>‹#›</a:t>
+              <a:t>‹Nr.›</a:t>
             </a:fld>
             <a:endParaRPr lang="de-DE">
               <a:solidFill>
@@ -9749,7 +9749,7 @@
                 </a:solidFill>
               </a:rPr>
               <a:pPr/>
-              <a:t>‹#›</a:t>
+              <a:t>‹Nr.›</a:t>
             </a:fld>
             <a:endParaRPr lang="de-DE">
               <a:solidFill>
@@ -10007,7 +10007,7 @@
                 </a:solidFill>
               </a:rPr>
               <a:pPr/>
-              <a:t>‹#›</a:t>
+              <a:t>‹Nr.›</a:t>
             </a:fld>
             <a:endParaRPr lang="de-DE">
               <a:solidFill>
@@ -10486,7 +10486,7 @@
                 </a:solidFill>
               </a:rPr>
               <a:pPr/>
-              <a:t>‹#›</a:t>
+              <a:t>‹Nr.›</a:t>
             </a:fld>
             <a:endParaRPr lang="de-DE">
               <a:solidFill>
@@ -10670,7 +10670,7 @@
                 </a:solidFill>
               </a:rPr>
               <a:pPr/>
-              <a:t>‹#›</a:t>
+              <a:t>‹Nr.›</a:t>
             </a:fld>
             <a:endParaRPr lang="de-DE">
               <a:solidFill>
@@ -11430,7 +11430,7 @@
             <a:fld id="{91D913BA-B0D8-4B51-9328-DFAA0B370309}" type="slidenum">
               <a:rPr lang="en-US" b="1" smtClean="0"/>
               <a:pPr/>
-              <a:t>‹#›</a:t>
+              <a:t>‹Nr.›</a:t>
             </a:fld>
             <a:endParaRPr lang="en-US" b="1" dirty="0"/>
           </a:p>
@@ -13503,7 +13503,7 @@
                 </a:solidFill>
               </a:rPr>
               <a:pPr/>
-              <a:t>‹#›</a:t>
+              <a:t>‹Nr.›</a:t>
             </a:fld>
             <a:endParaRPr lang="de-DE">
               <a:solidFill>
@@ -13740,7 +13740,7 @@
                 </a:solidFill>
               </a:rPr>
               <a:pPr/>
-              <a:t>‹#›</a:t>
+              <a:t>‹Nr.›</a:t>
             </a:fld>
             <a:endParaRPr lang="de-DE">
               <a:solidFill>
@@ -13960,7 +13960,7 @@
                 </a:solidFill>
               </a:rPr>
               <a:pPr/>
-              <a:t>‹#›</a:t>
+              <a:t>‹Nr.›</a:t>
             </a:fld>
             <a:endParaRPr lang="de-DE">
               <a:solidFill>
@@ -14275,7 +14275,7 @@
                 </a:solidFill>
               </a:rPr>
               <a:pPr/>
-              <a:t>‹#›</a:t>
+              <a:t>‹Nr.›</a:t>
             </a:fld>
             <a:endParaRPr lang="de-DE">
               <a:solidFill>
@@ -14736,7 +14736,7 @@
                 </a:solidFill>
               </a:rPr>
               <a:pPr/>
-              <a:t>‹#›</a:t>
+              <a:t>‹Nr.›</a:t>
             </a:fld>
             <a:endParaRPr lang="de-DE">
               <a:solidFill>
@@ -15930,7 +15930,7 @@
                 </a:solidFill>
               </a:rPr>
               <a:pPr/>
-              <a:t>‹#›</a:t>
+              <a:t>‹Nr.›</a:t>
             </a:fld>
             <a:endParaRPr lang="de-DE">
               <a:solidFill>
@@ -16256,7 +16256,7 @@
                 </a:solidFill>
               </a:rPr>
               <a:pPr/>
-              <a:t>‹#›</a:t>
+              <a:t>‹Nr.›</a:t>
             </a:fld>
             <a:endParaRPr lang="de-DE">
               <a:solidFill>
@@ -16568,7 +16568,7 @@
             <a:fld id="{91D913BA-B0D8-4B51-9328-DFAA0B370309}" type="slidenum">
               <a:rPr lang="en-US" b="1" smtClean="0"/>
               <a:pPr/>
-              <a:t>‹#›</a:t>
+              <a:t>‹Nr.›</a:t>
             </a:fld>
             <a:endParaRPr lang="en-US" b="1" dirty="0"/>
           </a:p>
@@ -16837,7 +16837,7 @@
                 </a:solidFill>
               </a:rPr>
               <a:pPr/>
-              <a:t>‹#›</a:t>
+              <a:t>‹Nr.›</a:t>
             </a:fld>
             <a:endParaRPr lang="de-DE">
               <a:solidFill>
@@ -17163,7 +17163,7 @@
                 </a:solidFill>
               </a:rPr>
               <a:pPr/>
-              <a:t>‹#›</a:t>
+              <a:t>‹Nr.›</a:t>
             </a:fld>
             <a:endParaRPr lang="de-DE">
               <a:solidFill>
@@ -17421,7 +17421,7 @@
                 </a:solidFill>
               </a:rPr>
               <a:pPr/>
-              <a:t>‹#›</a:t>
+              <a:t>‹Nr.›</a:t>
             </a:fld>
             <a:endParaRPr lang="de-DE">
               <a:solidFill>
@@ -17878,7 +17878,7 @@
                 </a:solidFill>
               </a:rPr>
               <a:pPr/>
-              <a:t>‹#›</a:t>
+              <a:t>‹Nr.›</a:t>
             </a:fld>
             <a:endParaRPr lang="de-DE">
               <a:solidFill>
@@ -18062,7 +18062,7 @@
                 </a:solidFill>
               </a:rPr>
               <a:pPr/>
-              <a:t>‹#›</a:t>
+              <a:t>‹Nr.›</a:t>
             </a:fld>
             <a:endParaRPr lang="de-DE">
               <a:solidFill>
@@ -18334,7 +18334,7 @@
             <a:fld id="{91D913BA-B0D8-4B51-9328-DFAA0B370309}" type="slidenum">
               <a:rPr lang="en-US" smtClean="0"/>
               <a:pPr/>
-              <a:t>‹#›</a:t>
+              <a:t>‹Nr.›</a:t>
             </a:fld>
             <a:endParaRPr lang="en-US" dirty="0"/>
           </a:p>
@@ -18716,7 +18716,7 @@
             <a:fld id="{91D913BA-B0D8-4B51-9328-DFAA0B370309}" type="slidenum">
               <a:rPr lang="en-US" b="1" smtClean="0"/>
               <a:pPr/>
-              <a:t>‹#›</a:t>
+              <a:t>‹Nr.›</a:t>
             </a:fld>
             <a:endParaRPr lang="en-US" b="1" dirty="0"/>
           </a:p>
@@ -19011,7 +19011,7 @@
             <a:fld id="{91D913BA-B0D8-4B51-9328-DFAA0B370309}" type="slidenum">
               <a:rPr lang="en-US" b="1" smtClean="0"/>
               <a:pPr/>
-              <a:t>‹#›</a:t>
+              <a:t>‹Nr.›</a:t>
             </a:fld>
             <a:endParaRPr lang="en-US" b="1" dirty="0"/>
           </a:p>
@@ -19306,7 +19306,7 @@
             <a:fld id="{91D913BA-B0D8-4B51-9328-DFAA0B370309}" type="slidenum">
               <a:rPr lang="en-US" b="1" smtClean="0"/>
               <a:pPr/>
-              <a:t>‹#›</a:t>
+              <a:t>‹Nr.›</a:t>
             </a:fld>
             <a:endParaRPr lang="en-US" b="1" dirty="0"/>
           </a:p>
@@ -19601,7 +19601,7 @@
             <a:fld id="{91D913BA-B0D8-4B51-9328-DFAA0B370309}" type="slidenum">
               <a:rPr lang="en-US" b="1" smtClean="0"/>
               <a:pPr/>
-              <a:t>‹#›</a:t>
+              <a:t>‹Nr.›</a:t>
             </a:fld>
             <a:endParaRPr lang="en-US" b="1" dirty="0"/>
           </a:p>
@@ -19949,7 +19949,7 @@
             <a:fld id="{91D913BA-B0D8-4B51-9328-DFAA0B370309}" type="slidenum">
               <a:rPr lang="en-US" smtClean="0"/>
               <a:pPr/>
-              <a:t>‹#›</a:t>
+              <a:t>‹Nr.›</a:t>
             </a:fld>
             <a:endParaRPr lang="en-US" dirty="0"/>
           </a:p>
@@ -22097,7 +22097,7 @@
                   <a:spcPct val="0"/>
                 </a:spcAft>
               </a:pPr>
-              <a:t>‹#›</a:t>
+              <a:t>‹Nr.›</a:t>
             </a:fld>
             <a:endParaRPr lang="de-DE">
               <a:solidFill>
@@ -24385,7 +24385,7 @@
                   <a:spcPct val="0"/>
                 </a:spcAft>
               </a:pPr>
-              <a:t>‹#›</a:t>
+              <a:t>‹Nr.›</a:t>
             </a:fld>
             <a:endParaRPr lang="de-DE">
               <a:solidFill>
@@ -26835,97 +26835,216 @@
           <a:chExt cx="0" cy="0"/>
         </a:xfrm>
       </p:grpSpPr>
-      <p:sp>
-        <p:nvSpPr>
-          <p:cNvPr id="2" name="Text Placeholder 1">
-            <a:extLst>
-              <a:ext uri="{FF2B5EF4-FFF2-40B4-BE49-F238E27FC236}">
-                <a16:creationId xmlns:a16="http://schemas.microsoft.com/office/drawing/2014/main" id="{B440AD28-38E4-367A-FF09-7005CDA60BE4}"/>
-              </a:ext>
-            </a:extLst>
-          </p:cNvPr>
-          <p:cNvSpPr>
-            <a:spLocks noGrp="1"/>
-          </p:cNvSpPr>
-          <p:nvPr>
-            <p:ph type="body" sz="quarter" idx="13"/>
-          </p:nvPr>
-        </p:nvSpPr>
-        <p:spPr/>
-        <p:txBody>
-          <a:bodyPr/>
-          <a:lstStyle/>
-          <a:p>
-            <a:pPr marL="228600" indent="-228600">
-              <a:lnSpc>
-                <a:spcPct val="100000"/>
-              </a:lnSpc>
-              <a:buFont typeface="+mj-lt"/>
-              <a:buAutoNum type="arabicPeriod"/>
-            </a:pPr>
-            <a:r>
-              <a:rPr lang="en-DE" sz="1000" dirty="0"/>
-              <a:t>Attribute Cleaning</a:t>
-            </a:r>
-          </a:p>
-          <a:p>
-            <a:pPr marL="409558" lvl="1" indent="-228600">
-              <a:lnSpc>
-                <a:spcPct val="100000"/>
-              </a:lnSpc>
-              <a:buFont typeface="+mj-lt"/>
-              <a:buAutoNum type="arabicPeriod"/>
-            </a:pPr>
-            <a:r>
-              <a:rPr lang="en-DE" sz="1000" dirty="0"/>
-              <a:t>City names (Align different pronounciations of city names, use longer option)</a:t>
-            </a:r>
-          </a:p>
-          <a:p>
-            <a:pPr marL="409558" lvl="1" indent="-228600">
-              <a:lnSpc>
-                <a:spcPct val="100000"/>
-              </a:lnSpc>
-              <a:buFont typeface="+mj-lt"/>
-              <a:buAutoNum type="arabicPeriod"/>
-            </a:pPr>
-            <a:r>
-              <a:rPr lang="en-DE" sz="1000" dirty="0"/>
-              <a:t>Coordinates of identical stations (Use the middle)</a:t>
-            </a:r>
-            <a:br>
-              <a:rPr lang="en-DE" sz="1000" dirty="0"/>
-            </a:br>
-            <a:endParaRPr lang="en-DE" sz="1000" dirty="0"/>
-          </a:p>
-          <a:p>
-            <a:pPr marL="228600" indent="-228600">
-              <a:lnSpc>
-                <a:spcPct val="100000"/>
-              </a:lnSpc>
-              <a:buFont typeface="+mj-lt"/>
-              <a:buAutoNum type="arabicPeriod"/>
-            </a:pPr>
-            <a:r>
-              <a:rPr lang="en-DE" sz="1000" dirty="0"/>
-              <a:t>Entity cleaning</a:t>
-            </a:r>
-          </a:p>
-          <a:p>
-            <a:pPr marL="409558" lvl="1" indent="-228600">
-              <a:lnSpc>
-                <a:spcPct val="100000"/>
-              </a:lnSpc>
-              <a:buFont typeface="+mj-lt"/>
-              <a:buAutoNum type="arabicPeriod"/>
-            </a:pPr>
-            <a:r>
-              <a:rPr lang="en-DE" sz="1000" dirty="0"/>
-              <a:t>Removal of all irrelevant stations that are not used in any transfer option</a:t>
-            </a:r>
-          </a:p>
-        </p:txBody>
-      </p:sp>
+      <mc:AlternateContent xmlns:mc="http://schemas.openxmlformats.org/markup-compatibility/2006">
+        <mc:Choice xmlns:a14="http://schemas.microsoft.com/office/drawing/2010/main" Requires="a14">
+          <p:sp>
+            <p:nvSpPr>
+              <p:cNvPr id="2" name="Text Placeholder 1">
+                <a:extLst>
+                  <a:ext uri="{FF2B5EF4-FFF2-40B4-BE49-F238E27FC236}">
+                    <a16:creationId xmlns:a16="http://schemas.microsoft.com/office/drawing/2014/main" id="{B440AD28-38E4-367A-FF09-7005CDA60BE4}"/>
+                  </a:ext>
+                </a:extLst>
+              </p:cNvPr>
+              <p:cNvSpPr>
+                <a:spLocks noGrp="1"/>
+              </p:cNvSpPr>
+              <p:nvPr>
+                <p:ph type="body" sz="quarter" idx="13"/>
+              </p:nvPr>
+            </p:nvSpPr>
+            <p:spPr/>
+            <p:txBody>
+              <a:bodyPr/>
+              <a:lstStyle/>
+              <a:p>
+                <a:pPr marL="228600" indent="-228600">
+                  <a:lnSpc>
+                    <a:spcPct val="100000"/>
+                  </a:lnSpc>
+                  <a:buFont typeface="+mj-lt"/>
+                  <a:buAutoNum type="arabicPeriod"/>
+                </a:pPr>
+                <a:r>
+                  <a:rPr lang="en-DE" sz="1000" dirty="0"/>
+                  <a:t>Attribute Cleaning</a:t>
+                </a:r>
+              </a:p>
+              <a:p>
+                <a:pPr marL="409558" lvl="1" indent="-228600">
+                  <a:lnSpc>
+                    <a:spcPct val="100000"/>
+                  </a:lnSpc>
+                  <a:buFont typeface="+mj-lt"/>
+                  <a:buAutoNum type="arabicPeriod"/>
+                </a:pPr>
+                <a:r>
+                  <a:rPr lang="en-DE" sz="1000" dirty="0"/>
+                  <a:t>City names </a:t>
+                </a:r>
+                <a:endParaRPr lang="de-DE" sz="1000" dirty="0"/>
+              </a:p>
+              <a:p>
+                <a:pPr marL="588564" lvl="2" indent="-228600">
+                  <a:lnSpc>
+                    <a:spcPct val="100000"/>
+                  </a:lnSpc>
+                </a:pPr>
+                <a:r>
+                  <a:rPr lang="en-DE" sz="1000" dirty="0"/>
+                  <a:t>Align different pronounciations of city names, use longer option</a:t>
+                </a:r>
+                <a:endParaRPr lang="de-DE" sz="1000" dirty="0"/>
+              </a:p>
+              <a:p>
+                <a:pPr marL="588564" lvl="2" indent="-228600">
+                  <a:lnSpc>
+                    <a:spcPct val="100000"/>
+                  </a:lnSpc>
+                </a:pPr>
+                <a:r>
+                  <a:rPr lang="de-DE" sz="1000" dirty="0"/>
+                  <a:t>„Frankfurt(M)“ &amp; „Frankfurt(Main)“ </a:t>
+                </a:r>
+                <a14:m>
+                  <m:oMath xmlns:m="http://schemas.openxmlformats.org/officeDocument/2006/math">
+                    <m:r>
+                      <a:rPr lang="de-DE" sz="1000" i="1" smtClean="0">
+                        <a:latin typeface="Cambria Math" panose="02040503050406030204" pitchFamily="18" charset="0"/>
+                        <a:ea typeface="Cambria Math" panose="02040503050406030204" pitchFamily="18" charset="0"/>
+                      </a:rPr>
+                      <m:t>→</m:t>
+                    </m:r>
+                  </m:oMath>
+                </a14:m>
+                <a:r>
+                  <a:rPr lang="de-DE" sz="1000" dirty="0"/>
+                  <a:t> „Frankfurt(Main)“</a:t>
+                </a:r>
+                <a:endParaRPr lang="en-DE" sz="1000" dirty="0"/>
+              </a:p>
+              <a:p>
+                <a:pPr marL="409558" lvl="1" indent="-228600">
+                  <a:lnSpc>
+                    <a:spcPct val="100000"/>
+                  </a:lnSpc>
+                  <a:buFont typeface="+mj-lt"/>
+                  <a:buAutoNum type="arabicPeriod"/>
+                </a:pPr>
+                <a:r>
+                  <a:rPr lang="en-DE" sz="1000" dirty="0"/>
+                  <a:t>Coordinates of identical stations </a:t>
+                </a:r>
+                <a:endParaRPr lang="de-DE" sz="1000" dirty="0"/>
+              </a:p>
+              <a:p>
+                <a:pPr marL="588564" lvl="2" indent="-228600">
+                  <a:lnSpc>
+                    <a:spcPct val="100000"/>
+                  </a:lnSpc>
+                </a:pPr>
+                <a:r>
+                  <a:rPr lang="en-DE" sz="1000" dirty="0"/>
+                  <a:t>Use the middle</a:t>
+                </a:r>
+                <a:br>
+                  <a:rPr lang="en-DE" sz="1000" dirty="0"/>
+                </a:br>
+                <a:endParaRPr lang="en-DE" sz="1000" dirty="0"/>
+              </a:p>
+              <a:p>
+                <a:pPr marL="228600" indent="-228600">
+                  <a:lnSpc>
+                    <a:spcPct val="100000"/>
+                  </a:lnSpc>
+                  <a:buFont typeface="+mj-lt"/>
+                  <a:buAutoNum type="arabicPeriod"/>
+                </a:pPr>
+                <a:r>
+                  <a:rPr lang="en-DE" sz="1000" dirty="0"/>
+                  <a:t>Entity cleaning</a:t>
+                </a:r>
+              </a:p>
+              <a:p>
+                <a:pPr marL="409558" lvl="1" indent="-228600">
+                  <a:lnSpc>
+                    <a:spcPct val="100000"/>
+                  </a:lnSpc>
+                  <a:buFont typeface="+mj-lt"/>
+                  <a:buAutoNum type="arabicPeriod"/>
+                </a:pPr>
+                <a:r>
+                  <a:rPr lang="en-DE" sz="1000" dirty="0"/>
+                  <a:t>Removal of all irrelevant stations that are not used in any transfer option</a:t>
+                </a:r>
+                <a:endParaRPr lang="de-DE" sz="1000" dirty="0"/>
+              </a:p>
+              <a:p>
+                <a:pPr marL="588564" lvl="2" indent="-228600">
+                  <a:lnSpc>
+                    <a:spcPct val="100000"/>
+                  </a:lnSpc>
+                </a:pPr>
+                <a:r>
+                  <a:rPr lang="de-DE" sz="1000" dirty="0"/>
+                  <a:t>„Marburg Taubenweg“</a:t>
+                </a:r>
+              </a:p>
+              <a:p>
+                <a:pPr marL="588564" lvl="2" indent="-228600">
+                  <a:lnSpc>
+                    <a:spcPct val="100000"/>
+                  </a:lnSpc>
+                </a:pPr>
+                <a:r>
+                  <a:rPr lang="de-DE" sz="1000" dirty="0"/>
+                  <a:t>„Hamburg-Altona“</a:t>
+                </a:r>
+                <a:endParaRPr lang="en-DE" sz="1000" dirty="0"/>
+              </a:p>
+            </p:txBody>
+          </p:sp>
+        </mc:Choice>
+        <mc:Fallback>
+          <p:sp>
+            <p:nvSpPr>
+              <p:cNvPr id="2" name="Text Placeholder 1">
+                <a:extLst>
+                  <a:ext uri="{FF2B5EF4-FFF2-40B4-BE49-F238E27FC236}">
+                    <a16:creationId xmlns:a16="http://schemas.microsoft.com/office/drawing/2014/main" id="{B440AD28-38E4-367A-FF09-7005CDA60BE4}"/>
+                  </a:ext>
+                </a:extLst>
+              </p:cNvPr>
+              <p:cNvSpPr>
+                <a:spLocks noGrp="1" noRot="1" noChangeAspect="1" noMove="1" noResize="1" noEditPoints="1" noAdjustHandles="1" noChangeArrowheads="1" noChangeShapeType="1" noTextEdit="1"/>
+              </p:cNvSpPr>
+              <p:nvPr>
+                <p:ph type="body" sz="quarter" idx="13"/>
+              </p:nvPr>
+            </p:nvSpPr>
+            <p:spPr>
+              <a:blipFill>
+                <a:blip r:embed="rId2"/>
+                <a:stretch>
+                  <a:fillRect l="-1152" t="-1026"/>
+                </a:stretch>
+              </a:blipFill>
+            </p:spPr>
+            <p:txBody>
+              <a:bodyPr/>
+              <a:lstStyle/>
+              <a:p>
+                <a:r>
+                  <a:rPr lang="de-DE">
+                    <a:noFill/>
+                  </a:rPr>
+                  <a:t> </a:t>
+                </a:r>
+              </a:p>
+            </p:txBody>
+          </p:sp>
+        </mc:Fallback>
+      </mc:AlternateContent>
       <p:sp>
         <p:nvSpPr>
           <p:cNvPr id="3" name="Title 2">
@@ -27010,29 +27129,7 @@
                 <a:spcPct val="100000"/>
               </a:lnSpc>
             </a:pPr>
-            <a:r>
-              <a:rPr lang="en-DE" sz="1000" dirty="0"/>
-              <a:t>TODO: insert sample #1 (Marburg, round about HBF – Ortenbergsteg, Bahnhofstraße)</a:t>
-            </a:r>
-          </a:p>
-          <a:p>
-            <a:pPr>
-              <a:lnSpc>
-                <a:spcPct val="100000"/>
-              </a:lnSpc>
-            </a:pPr>
             <a:endParaRPr lang="en-DE" sz="1000" dirty="0"/>
-          </a:p>
-          <a:p>
-            <a:pPr>
-              <a:lnSpc>
-                <a:spcPct val="100000"/>
-              </a:lnSpc>
-            </a:pPr>
-            <a:r>
-              <a:rPr lang="en-DE" sz="1000" dirty="0"/>
-              <a:t>Visualisierung via Karte</a:t>
-            </a:r>
           </a:p>
         </p:txBody>
       </p:sp>
@@ -27064,6 +27161,286 @@
           </a:p>
         </p:txBody>
       </p:sp>
+      <p:sp>
+        <p:nvSpPr>
+          <p:cNvPr id="6" name="AutoShape 2" descr="Marburg Hauptbahnhof">
+            <a:extLst>
+              <a:ext uri="{FF2B5EF4-FFF2-40B4-BE49-F238E27FC236}">
+                <a16:creationId xmlns:a16="http://schemas.microsoft.com/office/drawing/2014/main" id="{B24645E4-7071-14E5-16BD-08A9E5A2369C}"/>
+              </a:ext>
+            </a:extLst>
+          </p:cNvPr>
+          <p:cNvSpPr>
+            <a:spLocks noChangeAspect="1" noChangeArrowheads="1"/>
+          </p:cNvSpPr>
+          <p:nvPr/>
+        </p:nvSpPr>
+        <p:spPr bwMode="auto">
+          <a:xfrm>
+            <a:off x="4419600" y="2419350"/>
+            <a:ext cx="304800" cy="304800"/>
+          </a:xfrm>
+          <a:prstGeom prst="rect">
+            <a:avLst/>
+          </a:prstGeom>
+          <a:noFill/>
+          <a:extLst>
+            <a:ext uri="{909E8E84-426E-40DD-AFC4-6F175D3DCCD1}">
+              <a14:hiddenFill xmlns:a14="http://schemas.microsoft.com/office/drawing/2010/main">
+                <a:solidFill>
+                  <a:srgbClr val="FFFFFF"/>
+                </a:solidFill>
+              </a14:hiddenFill>
+            </a:ext>
+          </a:extLst>
+        </p:spPr>
+        <p:txBody>
+          <a:bodyPr vert="horz" wrap="square" lIns="91440" tIns="45720" rIns="91440" bIns="45720" numCol="1" anchor="t" anchorCtr="0" compatLnSpc="1">
+            <a:prstTxWarp prst="textNoShape">
+              <a:avLst/>
+            </a:prstTxWarp>
+          </a:bodyPr>
+          <a:lstStyle/>
+          <a:p>
+            <a:endParaRPr lang="de-DE"/>
+          </a:p>
+        </p:txBody>
+      </p:sp>
+      <p:pic>
+        <p:nvPicPr>
+          <p:cNvPr id="5" name="Grafik 4">
+            <a:extLst>
+              <a:ext uri="{FF2B5EF4-FFF2-40B4-BE49-F238E27FC236}">
+                <a16:creationId xmlns:a16="http://schemas.microsoft.com/office/drawing/2014/main" id="{E686A0CE-0B9B-6F3C-D2CF-765715892C03}"/>
+              </a:ext>
+            </a:extLst>
+          </p:cNvPr>
+          <p:cNvPicPr>
+            <a:picLocks noChangeAspect="1"/>
+          </p:cNvPicPr>
+          <p:nvPr/>
+        </p:nvPicPr>
+        <p:blipFill>
+          <a:blip r:embed="rId2"/>
+          <a:stretch>
+            <a:fillRect/>
+          </a:stretch>
+        </p:blipFill>
+        <p:spPr>
+          <a:xfrm>
+            <a:off x="899592" y="1163038"/>
+            <a:ext cx="6540329" cy="3563938"/>
+          </a:xfrm>
+          <a:prstGeom prst="rect">
+            <a:avLst/>
+          </a:prstGeom>
+        </p:spPr>
+      </p:pic>
+      <p:pic>
+        <p:nvPicPr>
+          <p:cNvPr id="7" name="Grafik 6">
+            <a:extLst>
+              <a:ext uri="{FF2B5EF4-FFF2-40B4-BE49-F238E27FC236}">
+                <a16:creationId xmlns:a16="http://schemas.microsoft.com/office/drawing/2014/main" id="{322A493C-7E11-9576-1C4E-5D8312495554}"/>
+              </a:ext>
+            </a:extLst>
+          </p:cNvPr>
+          <p:cNvPicPr>
+            <a:picLocks noChangeAspect="1"/>
+          </p:cNvPicPr>
+          <p:nvPr/>
+        </p:nvPicPr>
+        <p:blipFill>
+          <a:blip r:embed="rId3"/>
+          <a:stretch>
+            <a:fillRect/>
+          </a:stretch>
+        </p:blipFill>
+        <p:spPr>
+          <a:xfrm>
+            <a:off x="4932040" y="1635646"/>
+            <a:ext cx="354335" cy="354335"/>
+          </a:xfrm>
+          <a:prstGeom prst="rect">
+            <a:avLst/>
+          </a:prstGeom>
+        </p:spPr>
+      </p:pic>
+      <p:cxnSp>
+        <p:nvCxnSpPr>
+          <p:cNvPr id="11" name="Gerade Verbindung mit Pfeil 10">
+            <a:extLst>
+              <a:ext uri="{FF2B5EF4-FFF2-40B4-BE49-F238E27FC236}">
+                <a16:creationId xmlns:a16="http://schemas.microsoft.com/office/drawing/2014/main" id="{A583032D-E749-4CD0-89A1-F54033F28201}"/>
+              </a:ext>
+            </a:extLst>
+          </p:cNvPr>
+          <p:cNvCxnSpPr>
+            <a:cxnSpLocks/>
+            <a:stCxn id="7" idx="2"/>
+          </p:cNvCxnSpPr>
+          <p:nvPr/>
+        </p:nvCxnSpPr>
+        <p:spPr bwMode="gray">
+          <a:xfrm flipH="1" flipV="1">
+            <a:off x="4211961" y="1779662"/>
+            <a:ext cx="897247" cy="210319"/>
+          </a:xfrm>
+          <a:prstGeom prst="straightConnector1">
+            <a:avLst/>
+          </a:prstGeom>
+          <a:ln w="38100">
+            <a:solidFill>
+              <a:schemeClr val="accent1"/>
+            </a:solidFill>
+          </a:ln>
+        </p:spPr>
+        <p:style>
+          <a:lnRef idx="1">
+            <a:schemeClr val="accent1"/>
+          </a:lnRef>
+          <a:fillRef idx="0">
+            <a:schemeClr val="accent1"/>
+          </a:fillRef>
+          <a:effectRef idx="0">
+            <a:schemeClr val="accent1"/>
+          </a:effectRef>
+          <a:fontRef idx="minor">
+            <a:schemeClr val="tx1"/>
+          </a:fontRef>
+        </p:style>
+      </p:cxnSp>
+      <p:pic>
+        <p:nvPicPr>
+          <p:cNvPr id="17" name="Grafik 16">
+            <a:extLst>
+              <a:ext uri="{FF2B5EF4-FFF2-40B4-BE49-F238E27FC236}">
+                <a16:creationId xmlns:a16="http://schemas.microsoft.com/office/drawing/2014/main" id="{76D95699-D64B-9234-4BDF-14E9922A4E22}"/>
+              </a:ext>
+            </a:extLst>
+          </p:cNvPr>
+          <p:cNvPicPr>
+            <a:picLocks noChangeAspect="1"/>
+          </p:cNvPicPr>
+          <p:nvPr/>
+        </p:nvPicPr>
+        <p:blipFill>
+          <a:blip r:embed="rId3">
+            <a:duotone>
+              <a:schemeClr val="accent2">
+                <a:shade val="45000"/>
+                <a:satMod val="135000"/>
+              </a:schemeClr>
+              <a:prstClr val="white"/>
+            </a:duotone>
+          </a:blip>
+          <a:stretch>
+            <a:fillRect/>
+          </a:stretch>
+        </p:blipFill>
+        <p:spPr>
+          <a:xfrm>
+            <a:off x="4345337" y="1247341"/>
+            <a:ext cx="632595" cy="632595"/>
+          </a:xfrm>
+          <a:prstGeom prst="rect">
+            <a:avLst/>
+          </a:prstGeom>
+        </p:spPr>
+      </p:pic>
+      <p:cxnSp>
+        <p:nvCxnSpPr>
+          <p:cNvPr id="20" name="Gerade Verbindung mit Pfeil 19">
+            <a:extLst>
+              <a:ext uri="{FF2B5EF4-FFF2-40B4-BE49-F238E27FC236}">
+                <a16:creationId xmlns:a16="http://schemas.microsoft.com/office/drawing/2014/main" id="{1F1137B1-6A9D-B879-70A1-43373F909BB9}"/>
+              </a:ext>
+            </a:extLst>
+          </p:cNvPr>
+          <p:cNvCxnSpPr>
+            <a:cxnSpLocks/>
+          </p:cNvCxnSpPr>
+          <p:nvPr/>
+        </p:nvCxnSpPr>
+        <p:spPr bwMode="gray">
+          <a:xfrm flipH="1">
+            <a:off x="1403648" y="1898426"/>
+            <a:ext cx="3256936" cy="2689548"/>
+          </a:xfrm>
+          <a:prstGeom prst="straightConnector1">
+            <a:avLst/>
+          </a:prstGeom>
+          <a:ln w="38100" cmpd="sng">
+            <a:solidFill>
+              <a:schemeClr val="accent1"/>
+            </a:solidFill>
+            <a:prstDash val="solid"/>
+            <a:headEnd type="triangle"/>
+            <a:tailEnd type="triangle"/>
+          </a:ln>
+        </p:spPr>
+        <p:style>
+          <a:lnRef idx="1">
+            <a:schemeClr val="accent1"/>
+          </a:lnRef>
+          <a:fillRef idx="0">
+            <a:schemeClr val="accent1"/>
+          </a:fillRef>
+          <a:effectRef idx="0">
+            <a:schemeClr val="accent1"/>
+          </a:effectRef>
+          <a:fontRef idx="minor">
+            <a:schemeClr val="tx1"/>
+          </a:fontRef>
+        </p:style>
+      </p:cxnSp>
+      <p:cxnSp>
+        <p:nvCxnSpPr>
+          <p:cNvPr id="23" name="Gerade Verbindung mit Pfeil 22">
+            <a:extLst>
+              <a:ext uri="{FF2B5EF4-FFF2-40B4-BE49-F238E27FC236}">
+                <a16:creationId xmlns:a16="http://schemas.microsoft.com/office/drawing/2014/main" id="{48BC4304-EDEA-A67E-B751-4442D1BFF291}"/>
+              </a:ext>
+            </a:extLst>
+          </p:cNvPr>
+          <p:cNvCxnSpPr>
+            <a:cxnSpLocks/>
+            <a:stCxn id="17" idx="2"/>
+          </p:cNvCxnSpPr>
+          <p:nvPr/>
+        </p:nvCxnSpPr>
+        <p:spPr bwMode="gray">
+          <a:xfrm flipV="1">
+            <a:off x="4661635" y="1707654"/>
+            <a:ext cx="2358637" cy="172282"/>
+          </a:xfrm>
+          <a:prstGeom prst="straightConnector1">
+            <a:avLst/>
+          </a:prstGeom>
+          <a:ln w="38100" cmpd="sng">
+            <a:solidFill>
+              <a:schemeClr val="accent1"/>
+            </a:solidFill>
+            <a:prstDash val="solid"/>
+            <a:headEnd type="triangle"/>
+            <a:tailEnd type="triangle"/>
+          </a:ln>
+        </p:spPr>
+        <p:style>
+          <a:lnRef idx="1">
+            <a:schemeClr val="accent1"/>
+          </a:lnRef>
+          <a:fillRef idx="0">
+            <a:schemeClr val="accent1"/>
+          </a:fillRef>
+          <a:effectRef idx="0">
+            <a:schemeClr val="accent1"/>
+          </a:effectRef>
+          <a:fontRef idx="minor">
+            <a:schemeClr val="tx1"/>
+          </a:fontRef>
+        </p:style>
+      </p:cxnSp>
     </p:spTree>
     <p:extLst>
       <p:ext uri="{BB962C8B-B14F-4D97-AF65-F5344CB8AC3E}">
@@ -27074,6 +27451,180 @@
   <p:clrMapOvr>
     <a:masterClrMapping/>
   </p:clrMapOvr>
+  <p:timing>
+    <p:tnLst>
+      <p:par>
+        <p:cTn id="1" dur="indefinite" restart="never" nodeType="tmRoot">
+          <p:childTnLst>
+            <p:seq concurrent="1" nextAc="seek">
+              <p:cTn id="2" dur="indefinite" nodeType="mainSeq">
+                <p:childTnLst>
+                  <p:par>
+                    <p:cTn id="3" fill="hold">
+                      <p:stCondLst>
+                        <p:cond delay="indefinite"/>
+                      </p:stCondLst>
+                      <p:childTnLst>
+                        <p:par>
+                          <p:cTn id="4" fill="hold">
+                            <p:stCondLst>
+                              <p:cond delay="0"/>
+                            </p:stCondLst>
+                            <p:childTnLst>
+                              <p:par>
+                                <p:cTn id="5" presetID="1" presetClass="entr" presetSubtype="0" fill="hold" nodeType="clickEffect">
+                                  <p:stCondLst>
+                                    <p:cond delay="0"/>
+                                  </p:stCondLst>
+                                  <p:childTnLst>
+                                    <p:set>
+                                      <p:cBhvr>
+                                        <p:cTn id="6" dur="1" fill="hold">
+                                          <p:stCondLst>
+                                            <p:cond delay="0"/>
+                                          </p:stCondLst>
+                                        </p:cTn>
+                                        <p:tgtEl>
+                                          <p:spTgt spid="17"/>
+                                        </p:tgtEl>
+                                        <p:attrNameLst>
+                                          <p:attrName>style.visibility</p:attrName>
+                                        </p:attrNameLst>
+                                      </p:cBhvr>
+                                      <p:to>
+                                        <p:strVal val="visible"/>
+                                      </p:to>
+                                    </p:set>
+                                  </p:childTnLst>
+                                </p:cTn>
+                              </p:par>
+                              <p:par>
+                                <p:cTn id="7" presetID="1" presetClass="entr" presetSubtype="0" fill="hold" nodeType="withEffect">
+                                  <p:stCondLst>
+                                    <p:cond delay="0"/>
+                                  </p:stCondLst>
+                                  <p:childTnLst>
+                                    <p:set>
+                                      <p:cBhvr>
+                                        <p:cTn id="8" dur="1" fill="hold">
+                                          <p:stCondLst>
+                                            <p:cond delay="0"/>
+                                          </p:stCondLst>
+                                        </p:cTn>
+                                        <p:tgtEl>
+                                          <p:spTgt spid="11"/>
+                                        </p:tgtEl>
+                                        <p:attrNameLst>
+                                          <p:attrName>style.visibility</p:attrName>
+                                        </p:attrNameLst>
+                                      </p:cBhvr>
+                                      <p:to>
+                                        <p:strVal val="visible"/>
+                                      </p:to>
+                                    </p:set>
+                                  </p:childTnLst>
+                                </p:cTn>
+                              </p:par>
+                            </p:childTnLst>
+                          </p:cTn>
+                        </p:par>
+                      </p:childTnLst>
+                    </p:cTn>
+                  </p:par>
+                  <p:par>
+                    <p:cTn id="9" fill="hold">
+                      <p:stCondLst>
+                        <p:cond delay="indefinite"/>
+                      </p:stCondLst>
+                      <p:childTnLst>
+                        <p:par>
+                          <p:cTn id="10" fill="hold">
+                            <p:stCondLst>
+                              <p:cond delay="0"/>
+                            </p:stCondLst>
+                            <p:childTnLst>
+                              <p:par>
+                                <p:cTn id="11" presetID="1" presetClass="entr" presetSubtype="0" fill="hold" nodeType="clickEffect">
+                                  <p:stCondLst>
+                                    <p:cond delay="0"/>
+                                  </p:stCondLst>
+                                  <p:childTnLst>
+                                    <p:set>
+                                      <p:cBhvr>
+                                        <p:cTn id="12" dur="1" fill="hold">
+                                          <p:stCondLst>
+                                            <p:cond delay="0"/>
+                                          </p:stCondLst>
+                                        </p:cTn>
+                                        <p:tgtEl>
+                                          <p:spTgt spid="23"/>
+                                        </p:tgtEl>
+                                        <p:attrNameLst>
+                                          <p:attrName>style.visibility</p:attrName>
+                                        </p:attrNameLst>
+                                      </p:cBhvr>
+                                      <p:to>
+                                        <p:strVal val="visible"/>
+                                      </p:to>
+                                    </p:set>
+                                  </p:childTnLst>
+                                </p:cTn>
+                              </p:par>
+                              <p:par>
+                                <p:cTn id="13" presetID="1" presetClass="entr" presetSubtype="0" fill="hold" nodeType="withEffect">
+                                  <p:stCondLst>
+                                    <p:cond delay="0"/>
+                                  </p:stCondLst>
+                                  <p:childTnLst>
+                                    <p:set>
+                                      <p:cBhvr>
+                                        <p:cTn id="14" dur="1" fill="hold">
+                                          <p:stCondLst>
+                                            <p:cond delay="0"/>
+                                          </p:stCondLst>
+                                        </p:cTn>
+                                        <p:tgtEl>
+                                          <p:spTgt spid="20"/>
+                                        </p:tgtEl>
+                                        <p:attrNameLst>
+                                          <p:attrName>style.visibility</p:attrName>
+                                        </p:attrNameLst>
+                                      </p:cBhvr>
+                                      <p:to>
+                                        <p:strVal val="visible"/>
+                                      </p:to>
+                                    </p:set>
+                                  </p:childTnLst>
+                                </p:cTn>
+                              </p:par>
+                            </p:childTnLst>
+                          </p:cTn>
+                        </p:par>
+                      </p:childTnLst>
+                    </p:cTn>
+                  </p:par>
+                </p:childTnLst>
+              </p:cTn>
+              <p:prevCondLst>
+                <p:cond evt="onPrev" delay="0">
+                  <p:tgtEl>
+                    <p:sldTgt/>
+                  </p:tgtEl>
+                </p:cond>
+              </p:prevCondLst>
+              <p:nextCondLst>
+                <p:cond evt="onNext" delay="0">
+                  <p:tgtEl>
+                    <p:sldTgt/>
+                  </p:tgtEl>
+                </p:cond>
+              </p:nextCondLst>
+            </p:seq>
+          </p:childTnLst>
+        </p:cTn>
+      </p:par>
+    </p:tnLst>
+  </p:timing>
 </p:sld>
 </file>
 
@@ -27121,28 +27672,10 @@
               </a:lnSpc>
             </a:pPr>
             <a:r>
-              <a:rPr lang="en-DE" sz="1000" dirty="0"/>
-              <a:t>TODO: insert sample #2 (Frankfurt Beispiel)</a:t>
-            </a:r>
-          </a:p>
-          <a:p>
-            <a:pPr>
-              <a:lnSpc>
-                <a:spcPct val="100000"/>
-              </a:lnSpc>
-            </a:pPr>
+              <a:rPr lang="de-DE" sz="1000" dirty="0"/>
+              <a:t> </a:t>
+            </a:r>
             <a:endParaRPr lang="en-DE" sz="1000" dirty="0"/>
-          </a:p>
-          <a:p>
-            <a:pPr>
-              <a:lnSpc>
-                <a:spcPct val="100000"/>
-              </a:lnSpc>
-            </a:pPr>
-            <a:r>
-              <a:rPr lang="en-DE" sz="1000" dirty="0"/>
-              <a:t>Visualisierung via Karte</a:t>
-            </a:r>
           </a:p>
         </p:txBody>
       </p:sp>
@@ -27174,6 +27707,272 @@
           </a:p>
         </p:txBody>
       </p:sp>
+      <p:pic>
+        <p:nvPicPr>
+          <p:cNvPr id="6" name="Grafik 5">
+            <a:extLst>
+              <a:ext uri="{FF2B5EF4-FFF2-40B4-BE49-F238E27FC236}">
+                <a16:creationId xmlns:a16="http://schemas.microsoft.com/office/drawing/2014/main" id="{B3D694A5-FCEC-AC2B-EC99-31C600D5CBF7}"/>
+              </a:ext>
+            </a:extLst>
+          </p:cNvPr>
+          <p:cNvPicPr>
+            <a:picLocks noChangeAspect="1"/>
+          </p:cNvPicPr>
+          <p:nvPr/>
+        </p:nvPicPr>
+        <p:blipFill>
+          <a:blip r:embed="rId2"/>
+          <a:stretch>
+            <a:fillRect/>
+          </a:stretch>
+        </p:blipFill>
+        <p:spPr>
+          <a:xfrm>
+            <a:off x="1763688" y="1131590"/>
+            <a:ext cx="5219700" cy="3581400"/>
+          </a:xfrm>
+          <a:prstGeom prst="rect">
+            <a:avLst/>
+          </a:prstGeom>
+        </p:spPr>
+      </p:pic>
+      <p:pic>
+        <p:nvPicPr>
+          <p:cNvPr id="9" name="Grafik 8">
+            <a:extLst>
+              <a:ext uri="{FF2B5EF4-FFF2-40B4-BE49-F238E27FC236}">
+                <a16:creationId xmlns:a16="http://schemas.microsoft.com/office/drawing/2014/main" id="{2091FAE6-5B5B-472D-F8E6-50F95D1D6169}"/>
+              </a:ext>
+            </a:extLst>
+          </p:cNvPr>
+          <p:cNvPicPr>
+            <a:picLocks noChangeAspect="1"/>
+          </p:cNvPicPr>
+          <p:nvPr/>
+        </p:nvPicPr>
+        <p:blipFill>
+          <a:blip r:embed="rId3"/>
+          <a:stretch>
+            <a:fillRect/>
+          </a:stretch>
+        </p:blipFill>
+        <p:spPr>
+          <a:xfrm>
+            <a:off x="5592306" y="1707654"/>
+            <a:ext cx="360040" cy="360040"/>
+          </a:xfrm>
+          <a:prstGeom prst="rect">
+            <a:avLst/>
+          </a:prstGeom>
+        </p:spPr>
+      </p:pic>
+      <p:pic>
+        <p:nvPicPr>
+          <p:cNvPr id="10" name="Grafik 9">
+            <a:extLst>
+              <a:ext uri="{FF2B5EF4-FFF2-40B4-BE49-F238E27FC236}">
+                <a16:creationId xmlns:a16="http://schemas.microsoft.com/office/drawing/2014/main" id="{397380E3-3C10-8F46-F59A-84C94BD60420}"/>
+              </a:ext>
+            </a:extLst>
+          </p:cNvPr>
+          <p:cNvPicPr>
+            <a:picLocks noChangeAspect="1"/>
+          </p:cNvPicPr>
+          <p:nvPr/>
+        </p:nvPicPr>
+        <p:blipFill>
+          <a:blip r:embed="rId4"/>
+          <a:stretch>
+            <a:fillRect/>
+          </a:stretch>
+        </p:blipFill>
+        <p:spPr>
+          <a:xfrm>
+            <a:off x="4754872" y="1713359"/>
+            <a:ext cx="354335" cy="354335"/>
+          </a:xfrm>
+          <a:prstGeom prst="rect">
+            <a:avLst/>
+          </a:prstGeom>
+        </p:spPr>
+      </p:pic>
+      <p:cxnSp>
+        <p:nvCxnSpPr>
+          <p:cNvPr id="11" name="Gerade Verbindung mit Pfeil 10">
+            <a:extLst>
+              <a:ext uri="{FF2B5EF4-FFF2-40B4-BE49-F238E27FC236}">
+                <a16:creationId xmlns:a16="http://schemas.microsoft.com/office/drawing/2014/main" id="{9C92F445-D22F-E017-2017-F5FCA782DE6D}"/>
+              </a:ext>
+            </a:extLst>
+          </p:cNvPr>
+          <p:cNvCxnSpPr>
+            <a:cxnSpLocks/>
+            <a:stCxn id="9" idx="2"/>
+            <a:endCxn id="10" idx="2"/>
+          </p:cNvCxnSpPr>
+          <p:nvPr/>
+        </p:nvCxnSpPr>
+        <p:spPr bwMode="gray">
+          <a:xfrm flipH="1">
+            <a:off x="4932040" y="2067694"/>
+            <a:ext cx="840286" cy="0"/>
+          </a:xfrm>
+          <a:prstGeom prst="straightConnector1">
+            <a:avLst/>
+          </a:prstGeom>
+          <a:ln w="38100">
+            <a:solidFill>
+              <a:schemeClr val="accent1"/>
+            </a:solidFill>
+          </a:ln>
+        </p:spPr>
+        <p:style>
+          <a:lnRef idx="1">
+            <a:schemeClr val="accent1"/>
+          </a:lnRef>
+          <a:fillRef idx="0">
+            <a:schemeClr val="accent1"/>
+          </a:fillRef>
+          <a:effectRef idx="0">
+            <a:schemeClr val="accent1"/>
+          </a:effectRef>
+          <a:fontRef idx="minor">
+            <a:schemeClr val="tx1"/>
+          </a:fontRef>
+        </p:style>
+      </p:cxnSp>
+      <p:pic>
+        <p:nvPicPr>
+          <p:cNvPr id="15" name="Grafik 14">
+            <a:extLst>
+              <a:ext uri="{FF2B5EF4-FFF2-40B4-BE49-F238E27FC236}">
+                <a16:creationId xmlns:a16="http://schemas.microsoft.com/office/drawing/2014/main" id="{D2809C03-5BB5-D5FF-CB41-0041C291FFCB}"/>
+              </a:ext>
+            </a:extLst>
+          </p:cNvPr>
+          <p:cNvPicPr>
+            <a:picLocks noChangeAspect="1"/>
+          </p:cNvPicPr>
+          <p:nvPr/>
+        </p:nvPicPr>
+        <p:blipFill>
+          <a:blip r:embed="rId4">
+            <a:duotone>
+              <a:schemeClr val="accent2">
+                <a:shade val="45000"/>
+                <a:satMod val="135000"/>
+              </a:schemeClr>
+              <a:prstClr val="white"/>
+            </a:duotone>
+          </a:blip>
+          <a:stretch>
+            <a:fillRect/>
+          </a:stretch>
+        </p:blipFill>
+        <p:spPr>
+          <a:xfrm>
+            <a:off x="5035885" y="1435099"/>
+            <a:ext cx="632595" cy="632595"/>
+          </a:xfrm>
+          <a:prstGeom prst="rect">
+            <a:avLst/>
+          </a:prstGeom>
+        </p:spPr>
+      </p:pic>
+      <p:cxnSp>
+        <p:nvCxnSpPr>
+          <p:cNvPr id="16" name="Gerade Verbindung mit Pfeil 15">
+            <a:extLst>
+              <a:ext uri="{FF2B5EF4-FFF2-40B4-BE49-F238E27FC236}">
+                <a16:creationId xmlns:a16="http://schemas.microsoft.com/office/drawing/2014/main" id="{2DA43D85-F93B-4FD6-52E8-75A615E209A6}"/>
+              </a:ext>
+            </a:extLst>
+          </p:cNvPr>
+          <p:cNvCxnSpPr>
+            <a:cxnSpLocks/>
+            <a:stCxn id="15" idx="2"/>
+          </p:cNvCxnSpPr>
+          <p:nvPr/>
+        </p:nvCxnSpPr>
+        <p:spPr bwMode="gray">
+          <a:xfrm flipH="1">
+            <a:off x="3203848" y="2067694"/>
+            <a:ext cx="2148335" cy="0"/>
+          </a:xfrm>
+          <a:prstGeom prst="straightConnector1">
+            <a:avLst/>
+          </a:prstGeom>
+          <a:ln w="38100" cmpd="sng">
+            <a:solidFill>
+              <a:schemeClr val="accent1"/>
+            </a:solidFill>
+            <a:prstDash val="solid"/>
+            <a:headEnd type="triangle"/>
+            <a:tailEnd type="triangle"/>
+          </a:ln>
+        </p:spPr>
+        <p:style>
+          <a:lnRef idx="1">
+            <a:schemeClr val="accent1"/>
+          </a:lnRef>
+          <a:fillRef idx="0">
+            <a:schemeClr val="accent1"/>
+          </a:fillRef>
+          <a:effectRef idx="0">
+            <a:schemeClr val="accent1"/>
+          </a:effectRef>
+          <a:fontRef idx="minor">
+            <a:schemeClr val="tx1"/>
+          </a:fontRef>
+        </p:style>
+      </p:cxnSp>
+      <p:cxnSp>
+        <p:nvCxnSpPr>
+          <p:cNvPr id="19" name="Gerade Verbindung mit Pfeil 18">
+            <a:extLst>
+              <a:ext uri="{FF2B5EF4-FFF2-40B4-BE49-F238E27FC236}">
+                <a16:creationId xmlns:a16="http://schemas.microsoft.com/office/drawing/2014/main" id="{84FEBE0E-BCE5-3FE7-0457-EA11AE6FAC70}"/>
+              </a:ext>
+            </a:extLst>
+          </p:cNvPr>
+          <p:cNvCxnSpPr>
+            <a:cxnSpLocks/>
+          </p:cNvCxnSpPr>
+          <p:nvPr/>
+        </p:nvCxnSpPr>
+        <p:spPr bwMode="gray">
+          <a:xfrm flipH="1">
+            <a:off x="2843808" y="2067694"/>
+            <a:ext cx="2508375" cy="2016224"/>
+          </a:xfrm>
+          <a:prstGeom prst="straightConnector1">
+            <a:avLst/>
+          </a:prstGeom>
+          <a:ln w="38100" cmpd="sng">
+            <a:solidFill>
+              <a:schemeClr val="accent1"/>
+            </a:solidFill>
+            <a:prstDash val="solid"/>
+            <a:headEnd type="triangle"/>
+            <a:tailEnd type="triangle"/>
+          </a:ln>
+        </p:spPr>
+        <p:style>
+          <a:lnRef idx="1">
+            <a:schemeClr val="accent1"/>
+          </a:lnRef>
+          <a:fillRef idx="0">
+            <a:schemeClr val="accent1"/>
+          </a:fillRef>
+          <a:effectRef idx="0">
+            <a:schemeClr val="accent1"/>
+          </a:effectRef>
+          <a:fontRef idx="minor">
+            <a:schemeClr val="tx1"/>
+          </a:fontRef>
+        </p:style>
+      </p:cxnSp>
     </p:spTree>
     <p:extLst>
       <p:ext uri="{BB962C8B-B14F-4D97-AF65-F5344CB8AC3E}">
@@ -27184,6 +27983,165 @@
   <p:clrMapOvr>
     <a:masterClrMapping/>
   </p:clrMapOvr>
+  <p:timing>
+    <p:tnLst>
+      <p:par>
+        <p:cTn id="1" dur="indefinite" restart="never" nodeType="tmRoot">
+          <p:childTnLst>
+            <p:seq concurrent="1" nextAc="seek">
+              <p:cTn id="2" dur="indefinite" nodeType="mainSeq">
+                <p:childTnLst>
+                  <p:par>
+                    <p:cTn id="3" fill="hold">
+                      <p:stCondLst>
+                        <p:cond delay="indefinite"/>
+                        <p:cond evt="onBegin" delay="0">
+                          <p:tn val="2"/>
+                        </p:cond>
+                      </p:stCondLst>
+                      <p:childTnLst>
+                        <p:par>
+                          <p:cTn id="4" fill="hold">
+                            <p:stCondLst>
+                              <p:cond delay="0"/>
+                            </p:stCondLst>
+                            <p:childTnLst>
+                              <p:par>
+                                <p:cTn id="5" presetID="1" presetClass="entr" presetSubtype="0" fill="hold" nodeType="withEffect">
+                                  <p:stCondLst>
+                                    <p:cond delay="0"/>
+                                  </p:stCondLst>
+                                  <p:childTnLst>
+                                    <p:set>
+                                      <p:cBhvr>
+                                        <p:cTn id="6" dur="1" fill="hold">
+                                          <p:stCondLst>
+                                            <p:cond delay="0"/>
+                                          </p:stCondLst>
+                                        </p:cTn>
+                                        <p:tgtEl>
+                                          <p:spTgt spid="11"/>
+                                        </p:tgtEl>
+                                        <p:attrNameLst>
+                                          <p:attrName>style.visibility</p:attrName>
+                                        </p:attrNameLst>
+                                      </p:cBhvr>
+                                      <p:to>
+                                        <p:strVal val="visible"/>
+                                      </p:to>
+                                    </p:set>
+                                  </p:childTnLst>
+                                </p:cTn>
+                              </p:par>
+                              <p:par>
+                                <p:cTn id="7" presetID="1" presetClass="entr" presetSubtype="0" fill="hold" nodeType="withEffect">
+                                  <p:stCondLst>
+                                    <p:cond delay="0"/>
+                                  </p:stCondLst>
+                                  <p:childTnLst>
+                                    <p:set>
+                                      <p:cBhvr>
+                                        <p:cTn id="8" dur="1" fill="hold">
+                                          <p:stCondLst>
+                                            <p:cond delay="0"/>
+                                          </p:stCondLst>
+                                        </p:cTn>
+                                        <p:tgtEl>
+                                          <p:spTgt spid="15"/>
+                                        </p:tgtEl>
+                                        <p:attrNameLst>
+                                          <p:attrName>style.visibility</p:attrName>
+                                        </p:attrNameLst>
+                                      </p:cBhvr>
+                                      <p:to>
+                                        <p:strVal val="visible"/>
+                                      </p:to>
+                                    </p:set>
+                                  </p:childTnLst>
+                                </p:cTn>
+                              </p:par>
+                              <p:par>
+                                <p:cTn id="9" presetID="1" presetClass="entr" presetSubtype="0" fill="hold" nodeType="withEffect">
+                                  <p:stCondLst>
+                                    <p:cond delay="0"/>
+                                  </p:stCondLst>
+                                  <p:childTnLst>
+                                    <p:set>
+                                      <p:cBhvr>
+                                        <p:cTn id="10" dur="1" fill="hold">
+                                          <p:stCondLst>
+                                            <p:cond delay="0"/>
+                                          </p:stCondLst>
+                                        </p:cTn>
+                                        <p:tgtEl>
+                                          <p:spTgt spid="16"/>
+                                        </p:tgtEl>
+                                        <p:attrNameLst>
+                                          <p:attrName>style.visibility</p:attrName>
+                                        </p:attrNameLst>
+                                      </p:cBhvr>
+                                      <p:to>
+                                        <p:strVal val="visible"/>
+                                      </p:to>
+                                    </p:set>
+                                  </p:childTnLst>
+                                </p:cTn>
+                              </p:par>
+                              <p:par>
+                                <p:cTn id="11" presetID="1" presetClass="entr" presetSubtype="0" fill="hold" nodeType="withEffect">
+                                  <p:stCondLst>
+                                    <p:cond delay="0"/>
+                                  </p:stCondLst>
+                                  <p:childTnLst>
+                                    <p:set>
+                                      <p:cBhvr>
+                                        <p:cTn id="12" dur="1" fill="hold">
+                                          <p:stCondLst>
+                                            <p:cond delay="0"/>
+                                          </p:stCondLst>
+                                        </p:cTn>
+                                        <p:tgtEl>
+                                          <p:spTgt spid="19"/>
+                                        </p:tgtEl>
+                                        <p:attrNameLst>
+                                          <p:attrName>style.visibility</p:attrName>
+                                        </p:attrNameLst>
+                                      </p:cBhvr>
+                                      <p:to>
+                                        <p:strVal val="visible"/>
+                                      </p:to>
+                                    </p:set>
+                                  </p:childTnLst>
+                                </p:cTn>
+                              </p:par>
+                            </p:childTnLst>
+                          </p:cTn>
+                        </p:par>
+                      </p:childTnLst>
+                    </p:cTn>
+                  </p:par>
+                </p:childTnLst>
+              </p:cTn>
+              <p:prevCondLst>
+                <p:cond evt="onPrev" delay="0">
+                  <p:tgtEl>
+                    <p:sldTgt/>
+                  </p:tgtEl>
+                </p:cond>
+              </p:prevCondLst>
+              <p:nextCondLst>
+                <p:cond evt="onNext" delay="0">
+                  <p:tgtEl>
+                    <p:sldTgt/>
+                  </p:tgtEl>
+                </p:cond>
+              </p:nextCondLst>
+            </p:seq>
+          </p:childTnLst>
+        </p:cTn>
+      </p:par>
+    </p:tnLst>
+  </p:timing>
 </p:sld>
 </file>
 
